--- a/RBasics/R numbers 4B.pptx
+++ b/RBasics/R numbers 4B.pptx
@@ -2879,7 +2879,7 @@
           <a:p>
             <a:fld id="{4AEE3668-A865-4925-BC75-4B0E207AEE94}" type="datetimeFigureOut">
               <a:rPr lang="en-US" smtClean="0"/>
-              <a:t>6/3/2018</a:t>
+              <a:t>6/29/2018</a:t>
             </a:fld>
             <a:endParaRPr lang="en-US"/>
           </a:p>
@@ -3164,7 +3164,7 @@
           <a:p>
             <a:fld id="{4AEE3668-A865-4925-BC75-4B0E207AEE94}" type="datetimeFigureOut">
               <a:rPr lang="en-US" smtClean="0"/>
-              <a:t>6/3/2018</a:t>
+              <a:t>6/29/2018</a:t>
             </a:fld>
             <a:endParaRPr lang="en-US"/>
           </a:p>
@@ -3339,7 +3339,7 @@
           <a:p>
             <a:fld id="{4AEE3668-A865-4925-BC75-4B0E207AEE94}" type="datetimeFigureOut">
               <a:rPr lang="en-US" smtClean="0"/>
-              <a:t>6/3/2018</a:t>
+              <a:t>6/29/2018</a:t>
             </a:fld>
             <a:endParaRPr lang="en-US"/>
           </a:p>
@@ -3504,7 +3504,7 @@
           <a:p>
             <a:fld id="{4AEE3668-A865-4925-BC75-4B0E207AEE94}" type="datetimeFigureOut">
               <a:rPr lang="en-US" smtClean="0"/>
-              <a:t>6/3/2018</a:t>
+              <a:t>6/29/2018</a:t>
             </a:fld>
             <a:endParaRPr lang="en-US"/>
           </a:p>
@@ -3745,7 +3745,7 @@
           <a:p>
             <a:fld id="{4AEE3668-A865-4925-BC75-4B0E207AEE94}" type="datetimeFigureOut">
               <a:rPr lang="en-US" smtClean="0"/>
-              <a:t>6/3/2018</a:t>
+              <a:t>6/29/2018</a:t>
             </a:fld>
             <a:endParaRPr lang="en-US"/>
           </a:p>
@@ -3858,7 +3858,7 @@
           <a:p>
             <a:fld id="{4AEE3668-A865-4925-BC75-4B0E207AEE94}" type="datetimeFigureOut">
               <a:rPr lang="en-US" smtClean="0"/>
-              <a:t>6/3/2018</a:t>
+              <a:t>6/29/2018</a:t>
             </a:fld>
             <a:endParaRPr lang="en-US"/>
           </a:p>
@@ -4397,7 +4397,7 @@
           <a:p>
             <a:fld id="{4AEE3668-A865-4925-BC75-4B0E207AEE94}" type="datetimeFigureOut">
               <a:rPr lang="en-US" smtClean="0"/>
-              <a:t>6/3/2018</a:t>
+              <a:t>6/29/2018</a:t>
             </a:fld>
             <a:endParaRPr lang="en-US"/>
           </a:p>
@@ -4510,7 +4510,7 @@
           <a:p>
             <a:fld id="{4AEE3668-A865-4925-BC75-4B0E207AEE94}" type="datetimeFigureOut">
               <a:rPr lang="en-US" smtClean="0"/>
-              <a:t>6/3/2018</a:t>
+              <a:t>6/29/2018</a:t>
             </a:fld>
             <a:endParaRPr lang="en-US"/>
           </a:p>
@@ -4600,7 +4600,7 @@
           <a:p>
             <a:fld id="{4AEE3668-A865-4925-BC75-4B0E207AEE94}" type="datetimeFigureOut">
               <a:rPr lang="en-US" smtClean="0"/>
-              <a:t>6/3/2018</a:t>
+              <a:t>6/29/2018</a:t>
             </a:fld>
             <a:endParaRPr lang="en-US"/>
           </a:p>
@@ -7251,7 +7251,7 @@
           <a:p>
             <a:fld id="{4AEE3668-A865-4925-BC75-4B0E207AEE94}" type="datetimeFigureOut">
               <a:rPr lang="en-US" smtClean="0"/>
-              <a:t>6/3/2018</a:t>
+              <a:t>6/29/2018</a:t>
             </a:fld>
             <a:endParaRPr lang="en-US"/>
           </a:p>
@@ -10463,7 +10463,7 @@
           <a:p>
             <a:fld id="{4AEE3668-A865-4925-BC75-4B0E207AEE94}" type="datetimeFigureOut">
               <a:rPr lang="en-US" smtClean="0"/>
-              <a:t>6/3/2018</a:t>
+              <a:t>6/29/2018</a:t>
             </a:fld>
             <a:endParaRPr lang="en-US"/>
           </a:p>
@@ -13285,7 +13285,7 @@
           <a:p>
             <a:fld id="{4AEE3668-A865-4925-BC75-4B0E207AEE94}" type="datetimeFigureOut">
               <a:rPr lang="en-US" smtClean="0"/>
-              <a:t>6/3/2018</a:t>
+              <a:t>6/29/2018</a:t>
             </a:fld>
             <a:endParaRPr lang="en-US"/>
           </a:p>
